--- a/Eliney - Apresentação AC1.pptx
+++ b/Eliney - Apresentação AC1.pptx
@@ -5,7 +5,7 @@
     <p:sldMasterId id="2147483648" r:id="rId1"/>
   </p:sldMasterIdLst>
   <p:notesMasterIdLst>
-    <p:notesMasterId r:id="rId11"/>
+    <p:notesMasterId r:id="rId12"/>
   </p:notesMasterIdLst>
   <p:sldIdLst>
     <p:sldId id="256" r:id="rId2"/>
@@ -15,18 +15,19 @@
     <p:sldId id="312" r:id="rId6"/>
     <p:sldId id="310" r:id="rId7"/>
     <p:sldId id="311" r:id="rId8"/>
-    <p:sldId id="313" r:id="rId9"/>
-    <p:sldId id="282" r:id="rId10"/>
+    <p:sldId id="314" r:id="rId9"/>
+    <p:sldId id="313" r:id="rId10"/>
+    <p:sldId id="282" r:id="rId11"/>
   </p:sldIdLst>
   <p:sldSz cx="18288000" cy="10287000"/>
   <p:notesSz cx="6858000" cy="9144000"/>
   <p:embeddedFontLst>
     <p:embeddedFont>
       <p:font typeface="Montserrat" panose="00000500000000000000" pitchFamily="2" charset="0"/>
-      <p:regular r:id="rId12"/>
-      <p:bold r:id="rId13"/>
-      <p:italic r:id="rId14"/>
-      <p:boldItalic r:id="rId15"/>
+      <p:regular r:id="rId13"/>
+      <p:bold r:id="rId14"/>
+      <p:italic r:id="rId15"/>
+      <p:boldItalic r:id="rId16"/>
     </p:embeddedFont>
   </p:embeddedFontLst>
   <p:defaultTextStyle>
@@ -225,7 +226,7 @@
           <a:p>
             <a:fld id="{2629E080-8F0B-4796-9612-408C430CFF0F}" type="datetimeFigureOut">
               <a:rPr lang="pt-BR" smtClean="0"/>
-              <a:t>23/03/2025</a:t>
+              <a:t>24/03/2025</a:t>
             </a:fld>
             <a:endParaRPr lang="pt-BR"/>
           </a:p>
@@ -383,7 +384,7 @@
           <a:p>
             <a:fld id="{7667DD0F-EFA1-45B4-94E4-C36DA9F7933D}" type="slidenum">
               <a:rPr lang="pt-BR" smtClean="0"/>
-              <a:t>‹nº›</a:t>
+              <a:t>‹#›</a:t>
             </a:fld>
             <a:endParaRPr lang="pt-BR"/>
           </a:p>
@@ -672,7 +673,7 @@
             <a:fld id="{1D8BD707-D9CF-40AE-B4C6-C98DA3205C09}" type="datetimeFigureOut">
               <a:rPr lang="en-US" smtClean="0"/>
               <a:pPr/>
-              <a:t>3/23/2025</a:t>
+              <a:t>3/24/2025</a:t>
             </a:fld>
             <a:endParaRPr lang="en-US"/>
           </a:p>
@@ -715,7 +716,7 @@
             <a:fld id="{B6F15528-21DE-4FAA-801E-634DDDAF4B2B}" type="slidenum">
               <a:rPr lang="en-US" smtClean="0"/>
               <a:pPr/>
-              <a:t>‹nº›</a:t>
+              <a:t>‹#›</a:t>
             </a:fld>
             <a:endParaRPr lang="en-US"/>
           </a:p>
@@ -837,7 +838,7 @@
             <a:fld id="{1D8BD707-D9CF-40AE-B4C6-C98DA3205C09}" type="datetimeFigureOut">
               <a:rPr lang="en-US" smtClean="0"/>
               <a:pPr/>
-              <a:t>3/23/2025</a:t>
+              <a:t>3/24/2025</a:t>
             </a:fld>
             <a:endParaRPr lang="en-US"/>
           </a:p>
@@ -880,7 +881,7 @@
             <a:fld id="{B6F15528-21DE-4FAA-801E-634DDDAF4B2B}" type="slidenum">
               <a:rPr lang="en-US" smtClean="0"/>
               <a:pPr/>
-              <a:t>‹nº›</a:t>
+              <a:t>‹#›</a:t>
             </a:fld>
             <a:endParaRPr lang="en-US"/>
           </a:p>
@@ -1012,7 +1013,7 @@
             <a:fld id="{1D8BD707-D9CF-40AE-B4C6-C98DA3205C09}" type="datetimeFigureOut">
               <a:rPr lang="en-US" smtClean="0"/>
               <a:pPr/>
-              <a:t>3/23/2025</a:t>
+              <a:t>3/24/2025</a:t>
             </a:fld>
             <a:endParaRPr lang="en-US"/>
           </a:p>
@@ -1055,7 +1056,7 @@
             <a:fld id="{B6F15528-21DE-4FAA-801E-634DDDAF4B2B}" type="slidenum">
               <a:rPr lang="en-US" smtClean="0"/>
               <a:pPr/>
-              <a:t>‹nº›</a:t>
+              <a:t>‹#›</a:t>
             </a:fld>
             <a:endParaRPr lang="en-US"/>
           </a:p>
@@ -1177,7 +1178,7 @@
             <a:fld id="{1D8BD707-D9CF-40AE-B4C6-C98DA3205C09}" type="datetimeFigureOut">
               <a:rPr lang="en-US" smtClean="0"/>
               <a:pPr/>
-              <a:t>3/23/2025</a:t>
+              <a:t>3/24/2025</a:t>
             </a:fld>
             <a:endParaRPr lang="en-US"/>
           </a:p>
@@ -1220,7 +1221,7 @@
             <a:fld id="{B6F15528-21DE-4FAA-801E-634DDDAF4B2B}" type="slidenum">
               <a:rPr lang="en-US" smtClean="0"/>
               <a:pPr/>
-              <a:t>‹nº›</a:t>
+              <a:t>‹#›</a:t>
             </a:fld>
             <a:endParaRPr lang="en-US"/>
           </a:p>
@@ -1419,7 +1420,7 @@
             <a:fld id="{1D8BD707-D9CF-40AE-B4C6-C98DA3205C09}" type="datetimeFigureOut">
               <a:rPr lang="en-US" smtClean="0"/>
               <a:pPr/>
-              <a:t>3/23/2025</a:t>
+              <a:t>3/24/2025</a:t>
             </a:fld>
             <a:endParaRPr lang="en-US"/>
           </a:p>
@@ -1462,7 +1463,7 @@
             <a:fld id="{B6F15528-21DE-4FAA-801E-634DDDAF4B2B}" type="slidenum">
               <a:rPr lang="en-US" smtClean="0"/>
               <a:pPr/>
-              <a:t>‹nº›</a:t>
+              <a:t>‹#›</a:t>
             </a:fld>
             <a:endParaRPr lang="en-US"/>
           </a:p>
@@ -1701,7 +1702,7 @@
             <a:fld id="{1D8BD707-D9CF-40AE-B4C6-C98DA3205C09}" type="datetimeFigureOut">
               <a:rPr lang="en-US" smtClean="0"/>
               <a:pPr/>
-              <a:t>3/23/2025</a:t>
+              <a:t>3/24/2025</a:t>
             </a:fld>
             <a:endParaRPr lang="en-US"/>
           </a:p>
@@ -1744,7 +1745,7 @@
             <a:fld id="{B6F15528-21DE-4FAA-801E-634DDDAF4B2B}" type="slidenum">
               <a:rPr lang="en-US" smtClean="0"/>
               <a:pPr/>
-              <a:t>‹nº›</a:t>
+              <a:t>‹#›</a:t>
             </a:fld>
             <a:endParaRPr lang="en-US"/>
           </a:p>
@@ -2117,7 +2118,7 @@
             <a:fld id="{1D8BD707-D9CF-40AE-B4C6-C98DA3205C09}" type="datetimeFigureOut">
               <a:rPr lang="en-US" smtClean="0"/>
               <a:pPr/>
-              <a:t>3/23/2025</a:t>
+              <a:t>3/24/2025</a:t>
             </a:fld>
             <a:endParaRPr lang="en-US"/>
           </a:p>
@@ -2160,7 +2161,7 @@
             <a:fld id="{B6F15528-21DE-4FAA-801E-634DDDAF4B2B}" type="slidenum">
               <a:rPr lang="en-US" smtClean="0"/>
               <a:pPr/>
-              <a:t>‹nº›</a:t>
+              <a:t>‹#›</a:t>
             </a:fld>
             <a:endParaRPr lang="en-US"/>
           </a:p>
@@ -2231,7 +2232,7 @@
             <a:fld id="{1D8BD707-D9CF-40AE-B4C6-C98DA3205C09}" type="datetimeFigureOut">
               <a:rPr lang="en-US" smtClean="0"/>
               <a:pPr/>
-              <a:t>3/23/2025</a:t>
+              <a:t>3/24/2025</a:t>
             </a:fld>
             <a:endParaRPr lang="en-US"/>
           </a:p>
@@ -2274,7 +2275,7 @@
             <a:fld id="{B6F15528-21DE-4FAA-801E-634DDDAF4B2B}" type="slidenum">
               <a:rPr lang="en-US" smtClean="0"/>
               <a:pPr/>
-              <a:t>‹nº›</a:t>
+              <a:t>‹#›</a:t>
             </a:fld>
             <a:endParaRPr lang="en-US"/>
           </a:p>
@@ -2323,7 +2324,7 @@
             <a:fld id="{1D8BD707-D9CF-40AE-B4C6-C98DA3205C09}" type="datetimeFigureOut">
               <a:rPr lang="en-US" smtClean="0"/>
               <a:pPr/>
-              <a:t>3/23/2025</a:t>
+              <a:t>3/24/2025</a:t>
             </a:fld>
             <a:endParaRPr lang="en-US"/>
           </a:p>
@@ -2366,7 +2367,7 @@
             <a:fld id="{B6F15528-21DE-4FAA-801E-634DDDAF4B2B}" type="slidenum">
               <a:rPr lang="en-US" smtClean="0"/>
               <a:pPr/>
-              <a:t>‹nº›</a:t>
+              <a:t>‹#›</a:t>
             </a:fld>
             <a:endParaRPr lang="en-US"/>
           </a:p>
@@ -2595,7 +2596,7 @@
             <a:fld id="{1D8BD707-D9CF-40AE-B4C6-C98DA3205C09}" type="datetimeFigureOut">
               <a:rPr lang="en-US" smtClean="0"/>
               <a:pPr/>
-              <a:t>3/23/2025</a:t>
+              <a:t>3/24/2025</a:t>
             </a:fld>
             <a:endParaRPr lang="en-US"/>
           </a:p>
@@ -2638,7 +2639,7 @@
             <a:fld id="{B6F15528-21DE-4FAA-801E-634DDDAF4B2B}" type="slidenum">
               <a:rPr lang="en-US" smtClean="0"/>
               <a:pPr/>
-              <a:t>‹nº›</a:t>
+              <a:t>‹#›</a:t>
             </a:fld>
             <a:endParaRPr lang="en-US"/>
           </a:p>
@@ -2844,7 +2845,7 @@
             <a:fld id="{1D8BD707-D9CF-40AE-B4C6-C98DA3205C09}" type="datetimeFigureOut">
               <a:rPr lang="en-US" smtClean="0"/>
               <a:pPr/>
-              <a:t>3/23/2025</a:t>
+              <a:t>3/24/2025</a:t>
             </a:fld>
             <a:endParaRPr lang="en-US"/>
           </a:p>
@@ -2887,7 +2888,7 @@
             <a:fld id="{B6F15528-21DE-4FAA-801E-634DDDAF4B2B}" type="slidenum">
               <a:rPr lang="en-US" smtClean="0"/>
               <a:pPr/>
-              <a:t>‹nº›</a:t>
+              <a:t>‹#›</a:t>
             </a:fld>
             <a:endParaRPr lang="en-US"/>
           </a:p>
@@ -3052,7 +3053,7 @@
             <a:fld id="{1D8BD707-D9CF-40AE-B4C6-C98DA3205C09}" type="datetimeFigureOut">
               <a:rPr lang="en-US" smtClean="0"/>
               <a:pPr/>
-              <a:t>3/23/2025</a:t>
+              <a:t>3/24/2025</a:t>
             </a:fld>
             <a:endParaRPr lang="en-US"/>
           </a:p>
@@ -3131,7 +3132,7 @@
             <a:fld id="{B6F15528-21DE-4FAA-801E-634DDDAF4B2B}" type="slidenum">
               <a:rPr lang="en-US" smtClean="0"/>
               <a:pPr/>
-              <a:t>‹nº›</a:t>
+              <a:t>‹#›</a:t>
             </a:fld>
             <a:endParaRPr lang="en-US"/>
           </a:p>
@@ -3913,6 +3914,341 @@
 </p:sld>
 </file>
 
+<file path=ppt/slides/slide10.xml><?xml version="1.0" encoding="utf-8"?>
+<p:sld xmlns:a="http://schemas.openxmlformats.org/drawingml/2006/main" xmlns:r="http://schemas.openxmlformats.org/officeDocument/2006/relationships" xmlns:p="http://schemas.openxmlformats.org/presentationml/2006/main">
+  <p:cSld>
+    <p:bg>
+      <p:bgPr>
+        <a:solidFill>
+          <a:schemeClr val="tx2">
+            <a:lumMod val="50000"/>
+          </a:schemeClr>
+        </a:solidFill>
+        <a:effectLst/>
+      </p:bgPr>
+    </p:bg>
+    <p:spTree>
+      <p:nvGrpSpPr>
+        <p:cNvPr id="1" name="">
+          <a:extLst>
+            <a:ext uri="{FF2B5EF4-FFF2-40B4-BE49-F238E27FC236}">
+              <a16:creationId xmlns:a16="http://schemas.microsoft.com/office/drawing/2014/main" id="{C60B6661-53BA-C4F0-B269-804F805FCDCB}"/>
+            </a:ext>
+          </a:extLst>
+        </p:cNvPr>
+        <p:cNvGrpSpPr/>
+        <p:nvPr/>
+      </p:nvGrpSpPr>
+      <p:grpSpPr>
+        <a:xfrm>
+          <a:off x="0" y="0"/>
+          <a:ext cx="0" cy="0"/>
+          <a:chOff x="0" y="0"/>
+          <a:chExt cx="0" cy="0"/>
+        </a:xfrm>
+      </p:grpSpPr>
+      <p:sp>
+        <p:nvSpPr>
+          <p:cNvPr id="6" name="TextBox 6">
+            <a:extLst>
+              <a:ext uri="{FF2B5EF4-FFF2-40B4-BE49-F238E27FC236}">
+                <a16:creationId xmlns:a16="http://schemas.microsoft.com/office/drawing/2014/main" id="{CC6417D9-31CB-2D95-C614-BFE541BFB24B}"/>
+              </a:ext>
+            </a:extLst>
+          </p:cNvPr>
+          <p:cNvSpPr txBox="1"/>
+          <p:nvPr/>
+        </p:nvSpPr>
+        <p:spPr>
+          <a:xfrm>
+            <a:off x="27710" y="3376715"/>
+            <a:ext cx="18288000" cy="934936"/>
+          </a:xfrm>
+          <a:prstGeom prst="rect">
+            <a:avLst/>
+          </a:prstGeom>
+        </p:spPr>
+        <p:txBody>
+          <a:bodyPr wrap="square" lIns="0" tIns="0" rIns="0" bIns="0" rtlCol="0" anchor="t">
+            <a:spAutoFit/>
+          </a:bodyPr>
+          <a:lstStyle/>
+          <a:p>
+            <a:pPr algn="ctr">
+              <a:lnSpc>
+                <a:spcPts val="6934"/>
+              </a:lnSpc>
+            </a:pPr>
+            <a:r>
+              <a:rPr lang="pt-BR" sz="8561" spc="-565" dirty="0">
+                <a:solidFill>
+                  <a:srgbClr val="FFFFFF"/>
+                </a:solidFill>
+                <a:latin typeface="Montserrat" panose="00000500000000000000" pitchFamily="2" charset="0"/>
+                <a:ea typeface="Montserrat Ultra-Bold"/>
+                <a:cs typeface="Montserrat Ultra-Bold"/>
+                <a:sym typeface="Montserrat Ultra-Bold"/>
+              </a:rPr>
+              <a:t>Agradecimentos</a:t>
+            </a:r>
+          </a:p>
+        </p:txBody>
+      </p:sp>
+      <p:sp>
+        <p:nvSpPr>
+          <p:cNvPr id="16" name="Freeform 16">
+            <a:extLst>
+              <a:ext uri="{FF2B5EF4-FFF2-40B4-BE49-F238E27FC236}">
+                <a16:creationId xmlns:a16="http://schemas.microsoft.com/office/drawing/2014/main" id="{3ECEC075-927B-E62E-74F3-8E1BCB46647D}"/>
+              </a:ext>
+            </a:extLst>
+          </p:cNvPr>
+          <p:cNvSpPr/>
+          <p:nvPr/>
+        </p:nvSpPr>
+        <p:spPr>
+          <a:xfrm rot="5400000">
+            <a:off x="-974961" y="-1958739"/>
+            <a:ext cx="4307057" cy="2357135"/>
+          </a:xfrm>
+          <a:custGeom>
+            <a:avLst/>
+            <a:gdLst/>
+            <a:ahLst/>
+            <a:cxnLst/>
+            <a:rect l="l" t="t" r="r" b="b"/>
+            <a:pathLst>
+              <a:path w="4307057" h="2357135">
+                <a:moveTo>
+                  <a:pt x="0" y="0"/>
+                </a:moveTo>
+                <a:lnTo>
+                  <a:pt x="4307057" y="0"/>
+                </a:lnTo>
+                <a:lnTo>
+                  <a:pt x="4307057" y="2357135"/>
+                </a:lnTo>
+                <a:lnTo>
+                  <a:pt x="0" y="2357135"/>
+                </a:lnTo>
+                <a:lnTo>
+                  <a:pt x="0" y="0"/>
+                </a:lnTo>
+                <a:close/>
+              </a:path>
+            </a:pathLst>
+          </a:custGeom>
+          <a:blipFill>
+            <a:blip r:embed="rId2">
+              <a:extLst>
+                <a:ext uri="{96DAC541-7B7A-43D3-8B79-37D633B846F1}">
+                  <asvg:svgBlip xmlns:asvg="http://schemas.microsoft.com/office/drawing/2016/SVG/main" r:embed="rId3"/>
+                </a:ext>
+              </a:extLst>
+            </a:blip>
+            <a:stretch>
+              <a:fillRect/>
+            </a:stretch>
+          </a:blipFill>
+        </p:spPr>
+        <p:txBody>
+          <a:bodyPr/>
+          <a:lstStyle/>
+          <a:p>
+            <a:endParaRPr lang="pt-BR"/>
+          </a:p>
+        </p:txBody>
+      </p:sp>
+      <p:sp>
+        <p:nvSpPr>
+          <p:cNvPr id="17" name="Freeform 17">
+            <a:extLst>
+              <a:ext uri="{FF2B5EF4-FFF2-40B4-BE49-F238E27FC236}">
+                <a16:creationId xmlns:a16="http://schemas.microsoft.com/office/drawing/2014/main" id="{9ED23FF4-F5AA-91AB-F24F-144516A4B8A4}"/>
+              </a:ext>
+            </a:extLst>
+          </p:cNvPr>
+          <p:cNvSpPr/>
+          <p:nvPr/>
+        </p:nvSpPr>
+        <p:spPr>
+          <a:xfrm rot="5400000">
+            <a:off x="1795300" y="8073945"/>
+            <a:ext cx="835508" cy="2368709"/>
+          </a:xfrm>
+          <a:custGeom>
+            <a:avLst/>
+            <a:gdLst/>
+            <a:ahLst/>
+            <a:cxnLst/>
+            <a:rect l="l" t="t" r="r" b="b"/>
+            <a:pathLst>
+              <a:path w="835508" h="2368709">
+                <a:moveTo>
+                  <a:pt x="0" y="0"/>
+                </a:moveTo>
+                <a:lnTo>
+                  <a:pt x="835509" y="0"/>
+                </a:lnTo>
+                <a:lnTo>
+                  <a:pt x="835509" y="2368710"/>
+                </a:lnTo>
+                <a:lnTo>
+                  <a:pt x="0" y="2368710"/>
+                </a:lnTo>
+                <a:lnTo>
+                  <a:pt x="0" y="0"/>
+                </a:lnTo>
+                <a:close/>
+              </a:path>
+            </a:pathLst>
+          </a:custGeom>
+          <a:blipFill>
+            <a:blip r:embed="rId4">
+              <a:extLst>
+                <a:ext uri="{96DAC541-7B7A-43D3-8B79-37D633B846F1}">
+                  <asvg:svgBlip xmlns:asvg="http://schemas.microsoft.com/office/drawing/2016/SVG/main" r:embed="rId5"/>
+                </a:ext>
+              </a:extLst>
+            </a:blip>
+            <a:stretch>
+              <a:fillRect/>
+            </a:stretch>
+          </a:blipFill>
+        </p:spPr>
+        <p:txBody>
+          <a:bodyPr/>
+          <a:lstStyle/>
+          <a:p>
+            <a:endParaRPr lang="pt-BR"/>
+          </a:p>
+        </p:txBody>
+      </p:sp>
+      <p:sp>
+        <p:nvSpPr>
+          <p:cNvPr id="18" name="Freeform 18">
+            <a:extLst>
+              <a:ext uri="{FF2B5EF4-FFF2-40B4-BE49-F238E27FC236}">
+                <a16:creationId xmlns:a16="http://schemas.microsoft.com/office/drawing/2014/main" id="{84D9E35B-9603-DDD0-72F1-859B2ABBFBBA}"/>
+              </a:ext>
+            </a:extLst>
+          </p:cNvPr>
+          <p:cNvSpPr/>
+          <p:nvPr/>
+        </p:nvSpPr>
+        <p:spPr>
+          <a:xfrm rot="5400000">
+            <a:off x="14516483" y="10031772"/>
+            <a:ext cx="4307057" cy="2357135"/>
+          </a:xfrm>
+          <a:custGeom>
+            <a:avLst/>
+            <a:gdLst/>
+            <a:ahLst/>
+            <a:cxnLst/>
+            <a:rect l="l" t="t" r="r" b="b"/>
+            <a:pathLst>
+              <a:path w="4307057" h="2357135">
+                <a:moveTo>
+                  <a:pt x="0" y="0"/>
+                </a:moveTo>
+                <a:lnTo>
+                  <a:pt x="4307057" y="0"/>
+                </a:lnTo>
+                <a:lnTo>
+                  <a:pt x="4307057" y="2357135"/>
+                </a:lnTo>
+                <a:lnTo>
+                  <a:pt x="0" y="2357135"/>
+                </a:lnTo>
+                <a:lnTo>
+                  <a:pt x="0" y="0"/>
+                </a:lnTo>
+                <a:close/>
+              </a:path>
+            </a:pathLst>
+          </a:custGeom>
+          <a:blipFill>
+            <a:blip r:embed="rId2">
+              <a:extLst>
+                <a:ext uri="{96DAC541-7B7A-43D3-8B79-37D633B846F1}">
+                  <asvg:svgBlip xmlns:asvg="http://schemas.microsoft.com/office/drawing/2016/SVG/main" r:embed="rId3"/>
+                </a:ext>
+              </a:extLst>
+            </a:blip>
+            <a:stretch>
+              <a:fillRect/>
+            </a:stretch>
+          </a:blipFill>
+        </p:spPr>
+        <p:txBody>
+          <a:bodyPr/>
+          <a:lstStyle/>
+          <a:p>
+            <a:endParaRPr lang="pt-BR"/>
+          </a:p>
+        </p:txBody>
+      </p:sp>
+      <p:sp>
+        <p:nvSpPr>
+          <p:cNvPr id="9" name="TextBox 6">
+            <a:extLst>
+              <a:ext uri="{FF2B5EF4-FFF2-40B4-BE49-F238E27FC236}">
+                <a16:creationId xmlns:a16="http://schemas.microsoft.com/office/drawing/2014/main" id="{75B32666-01C7-73E9-C4F0-C8A5F872EBF8}"/>
+              </a:ext>
+            </a:extLst>
+          </p:cNvPr>
+          <p:cNvSpPr txBox="1"/>
+          <p:nvPr/>
+        </p:nvSpPr>
+        <p:spPr>
+          <a:xfrm>
+            <a:off x="27709" y="5086515"/>
+            <a:ext cx="18288000" cy="815736"/>
+          </a:xfrm>
+          <a:prstGeom prst="rect">
+            <a:avLst/>
+          </a:prstGeom>
+        </p:spPr>
+        <p:txBody>
+          <a:bodyPr wrap="square" lIns="0" tIns="0" rIns="0" bIns="0" rtlCol="0" anchor="t">
+            <a:spAutoFit/>
+          </a:bodyPr>
+          <a:lstStyle/>
+          <a:p>
+            <a:pPr algn="ctr">
+              <a:lnSpc>
+                <a:spcPts val="6934"/>
+              </a:lnSpc>
+            </a:pPr>
+            <a:r>
+              <a:rPr lang="pt-BR" sz="4800" spc="-565" dirty="0">
+                <a:solidFill>
+                  <a:srgbClr val="FFFFFF"/>
+                </a:solidFill>
+                <a:latin typeface="Montserrat" panose="00000500000000000000" pitchFamily="2" charset="0"/>
+                <a:ea typeface="Montserrat Ultra-Bold"/>
+                <a:cs typeface="Montserrat Ultra-Bold"/>
+                <a:sym typeface="Montserrat Ultra-Bold"/>
+              </a:rPr>
+              <a:t>Obrigado pela atenção!</a:t>
+            </a:r>
+          </a:p>
+        </p:txBody>
+      </p:sp>
+    </p:spTree>
+    <p:extLst>
+      <p:ext uri="{BB962C8B-B14F-4D97-AF65-F5344CB8AC3E}">
+        <p14:creationId xmlns:p14="http://schemas.microsoft.com/office/powerpoint/2010/main" val="3098137809"/>
+      </p:ext>
+    </p:extLst>
+  </p:cSld>
+  <p:clrMapOvr>
+    <a:masterClrMapping/>
+  </p:clrMapOvr>
+</p:sld>
+</file>
+
 <file path=ppt/slides/slide2.xml><?xml version="1.0" encoding="utf-8"?>
 <p:sld xmlns:a="http://schemas.openxmlformats.org/drawingml/2006/main" xmlns:r="http://schemas.openxmlformats.org/officeDocument/2006/relationships" xmlns:p="http://schemas.openxmlformats.org/presentationml/2006/main">
   <p:cSld>
@@ -9835,7 +10171,7 @@
         <p:cNvPr id="1" name="">
           <a:extLst>
             <a:ext uri="{FF2B5EF4-FFF2-40B4-BE49-F238E27FC236}">
-              <a16:creationId xmlns:a16="http://schemas.microsoft.com/office/drawing/2014/main" id="{3D385C8E-45D0-2C62-8A67-3E54876D3F40}"/>
+              <a16:creationId xmlns:a16="http://schemas.microsoft.com/office/drawing/2014/main" id="{C94678CB-057E-73C6-7A97-D55F8BD28EFC}"/>
             </a:ext>
           </a:extLst>
         </p:cNvPr>
@@ -9855,7 +10191,7 @@
           <p:cNvPr id="6" name="TextBox 6">
             <a:extLst>
               <a:ext uri="{FF2B5EF4-FFF2-40B4-BE49-F238E27FC236}">
-                <a16:creationId xmlns:a16="http://schemas.microsoft.com/office/drawing/2014/main" id="{B27F0A09-2B98-E62F-FAED-AADDA01FA4CE}"/>
+                <a16:creationId xmlns:a16="http://schemas.microsoft.com/office/drawing/2014/main" id="{0EDDA7CE-768B-5648-F28A-2D4952D4679C}"/>
               </a:ext>
             </a:extLst>
           </p:cNvPr>
@@ -9864,7 +10200,7 @@
         </p:nvSpPr>
         <p:spPr>
           <a:xfrm>
-            <a:off x="0" y="1286557"/>
+            <a:off x="0" y="1008164"/>
             <a:ext cx="18288000" cy="934936"/>
           </a:xfrm>
           <a:prstGeom prst="rect">
@@ -9883,7 +10219,7 @@
               </a:lnSpc>
             </a:pPr>
             <a:r>
-              <a:rPr lang="en-US" sz="8561" spc="-565" dirty="0">
+              <a:rPr lang="en-US" sz="8561" spc="-565" dirty="0" err="1">
                 <a:solidFill>
                   <a:srgbClr val="FFFFFF"/>
                 </a:solidFill>
@@ -9892,8 +10228,17 @@
                 <a:cs typeface="Montserrat Ultra-Bold"/>
                 <a:sym typeface="Montserrat Ultra-Bold"/>
               </a:rPr>
-              <a:t>Feedbacks</a:t>
-            </a:r>
+              <a:t>LandingPage</a:t>
+            </a:r>
+            <a:endParaRPr lang="en-US" sz="8561" spc="-565" dirty="0">
+              <a:solidFill>
+                <a:srgbClr val="FFFFFF"/>
+              </a:solidFill>
+              <a:latin typeface="Montserrat" panose="00000500000000000000" pitchFamily="2" charset="0"/>
+              <a:ea typeface="Montserrat Ultra-Bold"/>
+              <a:cs typeface="Montserrat Ultra-Bold"/>
+              <a:sym typeface="Montserrat Ultra-Bold"/>
+            </a:endParaRPr>
           </a:p>
         </p:txBody>
       </p:sp>
@@ -9902,7 +10247,7 @@
           <p:cNvPr id="16" name="Freeform 16">
             <a:extLst>
               <a:ext uri="{FF2B5EF4-FFF2-40B4-BE49-F238E27FC236}">
-                <a16:creationId xmlns:a16="http://schemas.microsoft.com/office/drawing/2014/main" id="{DD8E8C7C-E673-763C-0409-51AC9BED6165}"/>
+                <a16:creationId xmlns:a16="http://schemas.microsoft.com/office/drawing/2014/main" id="{2C0F3F92-8DA2-6CF0-CCA3-3A96283CC039}"/>
               </a:ext>
             </a:extLst>
           </p:cNvPr>
@@ -9967,7 +10312,7 @@
           <p:cNvPr id="17" name="Freeform 17">
             <a:extLst>
               <a:ext uri="{FF2B5EF4-FFF2-40B4-BE49-F238E27FC236}">
-                <a16:creationId xmlns:a16="http://schemas.microsoft.com/office/drawing/2014/main" id="{133856F7-668D-953B-4D25-1777586EB77F}"/>
+                <a16:creationId xmlns:a16="http://schemas.microsoft.com/office/drawing/2014/main" id="{E667E1FE-D3E8-C615-8FC6-44A15182EB4C}"/>
               </a:ext>
             </a:extLst>
           </p:cNvPr>
@@ -10032,7 +10377,7 @@
           <p:cNvPr id="18" name="Freeform 18">
             <a:extLst>
               <a:ext uri="{FF2B5EF4-FFF2-40B4-BE49-F238E27FC236}">
-                <a16:creationId xmlns:a16="http://schemas.microsoft.com/office/drawing/2014/main" id="{20FAE86D-029D-31E4-CBB2-EC7E7A94478B}"/>
+                <a16:creationId xmlns:a16="http://schemas.microsoft.com/office/drawing/2014/main" id="{BF6F8687-CC1A-AE91-E46E-60706F0EE2CA}"/>
               </a:ext>
             </a:extLst>
           </p:cNvPr>
@@ -10092,452 +10437,40 @@
           </a:p>
         </p:txBody>
       </p:sp>
-      <p:sp>
-        <p:nvSpPr>
-          <p:cNvPr id="3" name="TextBox 6">
+      <p:pic>
+        <p:nvPicPr>
+          <p:cNvPr id="8" name="Picture 7">
             <a:extLst>
               <a:ext uri="{FF2B5EF4-FFF2-40B4-BE49-F238E27FC236}">
-                <a16:creationId xmlns:a16="http://schemas.microsoft.com/office/drawing/2014/main" id="{B2E27161-D1AC-9597-F719-B6011BC65C4F}"/>
+                <a16:creationId xmlns:a16="http://schemas.microsoft.com/office/drawing/2014/main" id="{9B747550-2614-3753-02C2-C84E62685B2D}"/>
               </a:ext>
             </a:extLst>
           </p:cNvPr>
-          <p:cNvSpPr txBox="1"/>
+          <p:cNvPicPr>
+            <a:picLocks noChangeAspect="1"/>
+          </p:cNvPicPr>
           <p:nvPr/>
-        </p:nvSpPr>
+        </p:nvPicPr>
+        <p:blipFill>
+          <a:blip r:embed="rId6"/>
+          <a:stretch>
+            <a:fillRect/>
+          </a:stretch>
+        </p:blipFill>
         <p:spPr>
           <a:xfrm>
-            <a:off x="1524000" y="3166278"/>
-            <a:ext cx="15240000" cy="5129609"/>
+            <a:off x="3193816" y="2400300"/>
+            <a:ext cx="11900368" cy="6629400"/>
           </a:xfrm>
           <a:prstGeom prst="rect">
             <a:avLst/>
           </a:prstGeom>
         </p:spPr>
-        <p:txBody>
-          <a:bodyPr wrap="square" lIns="0" tIns="0" rIns="0" bIns="0" rtlCol="0" anchor="t">
-            <a:spAutoFit/>
-          </a:bodyPr>
-          <a:lstStyle/>
-          <a:p>
-            <a:pPr marL="685800" indent="-685800">
-              <a:lnSpc>
-                <a:spcPts val="5000"/>
-              </a:lnSpc>
-              <a:buFont typeface="Arial" panose="020B0604020202020204" pitchFamily="34" charset="0"/>
-              <a:buChar char="•"/>
-            </a:pPr>
-            <a:r>
-              <a:rPr lang="en-US" sz="5000" b="1" spc="-300" dirty="0">
-                <a:solidFill>
-                  <a:srgbClr val="FFFFFF"/>
-                </a:solidFill>
-                <a:latin typeface="Montserrat" panose="00000500000000000000" pitchFamily="2" charset="0"/>
-                <a:ea typeface="Montserrat Ultra-Bold"/>
-                <a:cs typeface="Montserrat Ultra-Bold"/>
-                <a:sym typeface="Montserrat Ultra-Bold"/>
-              </a:rPr>
-              <a:t>Ciber </a:t>
-            </a:r>
-            <a:r>
-              <a:rPr lang="en-US" sz="5000" b="1" spc="-300" dirty="0" err="1">
-                <a:solidFill>
-                  <a:srgbClr val="FFFFFF"/>
-                </a:solidFill>
-                <a:latin typeface="Montserrat" panose="00000500000000000000" pitchFamily="2" charset="0"/>
-                <a:ea typeface="Montserrat Ultra-Bold"/>
-                <a:cs typeface="Montserrat Ultra-Bold"/>
-                <a:sym typeface="Montserrat Ultra-Bold"/>
-              </a:rPr>
-              <a:t>Segurança</a:t>
-            </a:r>
-            <a:r>
-              <a:rPr lang="en-US" sz="5000" b="1" spc="-300" dirty="0">
-                <a:solidFill>
-                  <a:srgbClr val="FFFFFF"/>
-                </a:solidFill>
-                <a:latin typeface="Montserrat" panose="00000500000000000000" pitchFamily="2" charset="0"/>
-                <a:ea typeface="Montserrat Ultra-Bold"/>
-                <a:cs typeface="Montserrat Ultra-Bold"/>
-                <a:sym typeface="Montserrat Ultra-Bold"/>
-              </a:rPr>
-              <a:t>: </a:t>
-            </a:r>
-            <a:r>
-              <a:rPr lang="en-US" sz="5000" spc="-300" dirty="0" err="1">
-                <a:solidFill>
-                  <a:srgbClr val="FFFFFF"/>
-                </a:solidFill>
-                <a:latin typeface="Montserrat" panose="00000500000000000000" pitchFamily="2" charset="0"/>
-                <a:ea typeface="Montserrat Ultra-Bold"/>
-                <a:cs typeface="Montserrat Ultra-Bold"/>
-                <a:sym typeface="Montserrat Ultra-Bold"/>
-              </a:rPr>
-              <a:t>Criação</a:t>
-            </a:r>
-            <a:r>
-              <a:rPr lang="en-US" sz="5000" spc="-300" dirty="0">
-                <a:solidFill>
-                  <a:srgbClr val="FFFFFF"/>
-                </a:solidFill>
-                <a:latin typeface="Montserrat" panose="00000500000000000000" pitchFamily="2" charset="0"/>
-                <a:ea typeface="Montserrat Ultra-Bold"/>
-                <a:cs typeface="Montserrat Ultra-Bold"/>
-                <a:sym typeface="Montserrat Ultra-Bold"/>
-              </a:rPr>
-              <a:t> de </a:t>
-            </a:r>
-            <a:r>
-              <a:rPr lang="en-US" sz="5000" spc="-300" dirty="0" err="1">
-                <a:solidFill>
-                  <a:srgbClr val="FFFFFF"/>
-                </a:solidFill>
-                <a:latin typeface="Montserrat" panose="00000500000000000000" pitchFamily="2" charset="0"/>
-                <a:ea typeface="Montserrat Ultra-Bold"/>
-                <a:cs typeface="Montserrat Ultra-Bold"/>
-                <a:sym typeface="Montserrat Ultra-Bold"/>
-              </a:rPr>
-              <a:t>políticas</a:t>
-            </a:r>
-            <a:r>
-              <a:rPr lang="en-US" sz="5000" spc="-300" dirty="0">
-                <a:solidFill>
-                  <a:srgbClr val="FFFFFF"/>
-                </a:solidFill>
-                <a:latin typeface="Montserrat" panose="00000500000000000000" pitchFamily="2" charset="0"/>
-                <a:ea typeface="Montserrat Ultra-Bold"/>
-                <a:cs typeface="Montserrat Ultra-Bold"/>
-                <a:sym typeface="Montserrat Ultra-Bold"/>
-              </a:rPr>
-              <a:t> de </a:t>
-            </a:r>
-            <a:r>
-              <a:rPr lang="en-US" sz="5000" spc="-300" dirty="0" err="1">
-                <a:solidFill>
-                  <a:srgbClr val="FFFFFF"/>
-                </a:solidFill>
-                <a:latin typeface="Montserrat" panose="00000500000000000000" pitchFamily="2" charset="0"/>
-                <a:ea typeface="Montserrat Ultra-Bold"/>
-                <a:cs typeface="Montserrat Ultra-Bold"/>
-                <a:sym typeface="Montserrat Ultra-Bold"/>
-              </a:rPr>
-              <a:t>segurança</a:t>
-            </a:r>
-            <a:r>
-              <a:rPr lang="en-US" sz="5000" spc="-300" dirty="0">
-                <a:solidFill>
-                  <a:srgbClr val="FFFFFF"/>
-                </a:solidFill>
-                <a:latin typeface="Montserrat" panose="00000500000000000000" pitchFamily="2" charset="0"/>
-                <a:ea typeface="Montserrat Ultra-Bold"/>
-                <a:cs typeface="Montserrat Ultra-Bold"/>
-                <a:sym typeface="Montserrat Ultra-Bold"/>
-              </a:rPr>
-              <a:t> e </a:t>
-            </a:r>
-            <a:r>
-              <a:rPr lang="en-US" sz="5000" spc="-300" dirty="0" err="1">
-                <a:solidFill>
-                  <a:srgbClr val="FFFFFF"/>
-                </a:solidFill>
-                <a:latin typeface="Montserrat" panose="00000500000000000000" pitchFamily="2" charset="0"/>
-                <a:ea typeface="Montserrat Ultra-Bold"/>
-                <a:cs typeface="Montserrat Ultra-Bold"/>
-                <a:sym typeface="Montserrat Ultra-Bold"/>
-              </a:rPr>
-              <a:t>privacidade</a:t>
-            </a:r>
-            <a:r>
-              <a:rPr lang="en-US" sz="5000" spc="-300" dirty="0">
-                <a:solidFill>
-                  <a:srgbClr val="FFFFFF"/>
-                </a:solidFill>
-                <a:latin typeface="Montserrat" panose="00000500000000000000" pitchFamily="2" charset="0"/>
-                <a:ea typeface="Montserrat Ultra-Bold"/>
-                <a:cs typeface="Montserrat Ultra-Bold"/>
-                <a:sym typeface="Montserrat Ultra-Bold"/>
-              </a:rPr>
-              <a:t> e </a:t>
-            </a:r>
-            <a:r>
-              <a:rPr lang="en-US" sz="5000" spc="-300" dirty="0" err="1">
-                <a:solidFill>
-                  <a:srgbClr val="FFFFFF"/>
-                </a:solidFill>
-                <a:latin typeface="Montserrat" panose="00000500000000000000" pitchFamily="2" charset="0"/>
-                <a:ea typeface="Montserrat Ultra-Bold"/>
-                <a:cs typeface="Montserrat Ultra-Bold"/>
-                <a:sym typeface="Montserrat Ultra-Bold"/>
-              </a:rPr>
-              <a:t>implementação</a:t>
-            </a:r>
-            <a:r>
-              <a:rPr lang="en-US" sz="5000" spc="-300" dirty="0">
-                <a:solidFill>
-                  <a:srgbClr val="FFFFFF"/>
-                </a:solidFill>
-                <a:latin typeface="Montserrat" panose="00000500000000000000" pitchFamily="2" charset="0"/>
-                <a:ea typeface="Montserrat Ultra-Bold"/>
-                <a:cs typeface="Montserrat Ultra-Bold"/>
-                <a:sym typeface="Montserrat Ultra-Bold"/>
-              </a:rPr>
-              <a:t> HTTPS.</a:t>
-            </a:r>
-          </a:p>
-          <a:p>
-            <a:pPr marL="685800" indent="-685800">
-              <a:lnSpc>
-                <a:spcPts val="5000"/>
-              </a:lnSpc>
-              <a:buFont typeface="Arial" panose="020B0604020202020204" pitchFamily="34" charset="0"/>
-              <a:buChar char="•"/>
-            </a:pPr>
-            <a:endParaRPr lang="en-US" sz="5000" spc="-300" dirty="0">
-              <a:solidFill>
-                <a:srgbClr val="FFFFFF"/>
-              </a:solidFill>
-              <a:latin typeface="Montserrat" panose="00000500000000000000" pitchFamily="2" charset="0"/>
-              <a:ea typeface="Montserrat Ultra-Bold"/>
-              <a:cs typeface="Montserrat Ultra-Bold"/>
-              <a:sym typeface="Montserrat Ultra-Bold"/>
-            </a:endParaRPr>
-          </a:p>
-          <a:p>
-            <a:pPr marL="685800" indent="-685800">
-              <a:lnSpc>
-                <a:spcPts val="5000"/>
-              </a:lnSpc>
-              <a:buFont typeface="Arial" panose="020B0604020202020204" pitchFamily="34" charset="0"/>
-              <a:buChar char="•"/>
-            </a:pPr>
-            <a:r>
-              <a:rPr lang="en-US" sz="5000" b="1" spc="-300" dirty="0">
-                <a:solidFill>
-                  <a:srgbClr val="FFFFFF"/>
-                </a:solidFill>
-                <a:latin typeface="Montserrat" panose="00000500000000000000" pitchFamily="2" charset="0"/>
-                <a:ea typeface="Montserrat Ultra-Bold"/>
-                <a:cs typeface="Montserrat Ultra-Bold"/>
-                <a:sym typeface="Montserrat Ultra-Bold"/>
-              </a:rPr>
-              <a:t>Mobile: </a:t>
-            </a:r>
-            <a:r>
-              <a:rPr lang="en-US" sz="5000" spc="-300" dirty="0" err="1">
-                <a:solidFill>
-                  <a:srgbClr val="FFFFFF"/>
-                </a:solidFill>
-                <a:latin typeface="Montserrat" panose="00000500000000000000" pitchFamily="2" charset="0"/>
-                <a:ea typeface="Montserrat Ultra-Bold"/>
-                <a:cs typeface="Montserrat Ultra-Bold"/>
-                <a:sym typeface="Montserrat Ultra-Bold"/>
-              </a:rPr>
-              <a:t>Internacionalização</a:t>
-            </a:r>
-            <a:r>
-              <a:rPr lang="en-US" sz="5000" spc="-300" dirty="0">
-                <a:solidFill>
-                  <a:srgbClr val="FFFFFF"/>
-                </a:solidFill>
-                <a:latin typeface="Montserrat" panose="00000500000000000000" pitchFamily="2" charset="0"/>
-                <a:ea typeface="Montserrat Ultra-Bold"/>
-                <a:cs typeface="Montserrat Ultra-Bold"/>
-                <a:sym typeface="Montserrat Ultra-Bold"/>
-              </a:rPr>
-              <a:t> de </a:t>
-            </a:r>
-            <a:r>
-              <a:rPr lang="en-US" sz="5000" spc="-300" dirty="0" err="1">
-                <a:solidFill>
-                  <a:srgbClr val="FFFFFF"/>
-                </a:solidFill>
-                <a:latin typeface="Montserrat" panose="00000500000000000000" pitchFamily="2" charset="0"/>
-                <a:ea typeface="Montserrat Ultra-Bold"/>
-                <a:cs typeface="Montserrat Ultra-Bold"/>
-                <a:sym typeface="Montserrat Ultra-Bold"/>
-              </a:rPr>
-              <a:t>linguas</a:t>
-            </a:r>
-            <a:r>
-              <a:rPr lang="en-US" sz="5000" spc="-300" dirty="0">
-                <a:solidFill>
-                  <a:srgbClr val="FFFFFF"/>
-                </a:solidFill>
-                <a:latin typeface="Montserrat" panose="00000500000000000000" pitchFamily="2" charset="0"/>
-                <a:ea typeface="Montserrat Ultra-Bold"/>
-                <a:cs typeface="Montserrat Ultra-Bold"/>
-                <a:sym typeface="Montserrat Ultra-Bold"/>
-              </a:rPr>
-              <a:t> no App.</a:t>
-            </a:r>
-          </a:p>
-          <a:p>
-            <a:pPr marL="685800" indent="-685800">
-              <a:lnSpc>
-                <a:spcPts val="5000"/>
-              </a:lnSpc>
-              <a:buFont typeface="Arial" panose="020B0604020202020204" pitchFamily="34" charset="0"/>
-              <a:buChar char="•"/>
-            </a:pPr>
-            <a:endParaRPr lang="en-US" sz="5000" spc="-300" dirty="0">
-              <a:solidFill>
-                <a:srgbClr val="FFFFFF"/>
-              </a:solidFill>
-              <a:latin typeface="Montserrat" panose="00000500000000000000" pitchFamily="2" charset="0"/>
-              <a:ea typeface="Montserrat Ultra-Bold"/>
-              <a:cs typeface="Montserrat Ultra-Bold"/>
-              <a:sym typeface="Montserrat Ultra-Bold"/>
-            </a:endParaRPr>
-          </a:p>
-          <a:p>
-            <a:pPr marL="685800" indent="-685800">
-              <a:lnSpc>
-                <a:spcPts val="5000"/>
-              </a:lnSpc>
-              <a:buFont typeface="Arial" panose="020B0604020202020204" pitchFamily="34" charset="0"/>
-              <a:buChar char="•"/>
-            </a:pPr>
-            <a:r>
-              <a:rPr lang="en-US" sz="5000" b="1" spc="-300" dirty="0">
-                <a:solidFill>
-                  <a:srgbClr val="FFFFFF"/>
-                </a:solidFill>
-                <a:latin typeface="Montserrat" panose="00000500000000000000" pitchFamily="2" charset="0"/>
-                <a:ea typeface="Montserrat Ultra-Bold"/>
-                <a:cs typeface="Montserrat Ultra-Bold"/>
-                <a:sym typeface="Montserrat Ultra-Bold"/>
-              </a:rPr>
-              <a:t>Web - Backend: </a:t>
-            </a:r>
-            <a:r>
-              <a:rPr lang="en-US" sz="5000" spc="-300" dirty="0" err="1">
-                <a:solidFill>
-                  <a:srgbClr val="FFFFFF"/>
-                </a:solidFill>
-                <a:latin typeface="Montserrat" panose="00000500000000000000" pitchFamily="2" charset="0"/>
-                <a:ea typeface="Montserrat Ultra-Bold"/>
-                <a:cs typeface="Montserrat Ultra-Bold"/>
-                <a:sym typeface="Montserrat Ultra-Bold"/>
-              </a:rPr>
-              <a:t>Tudo</a:t>
-            </a:r>
-            <a:r>
-              <a:rPr lang="en-US" sz="5000" spc="-300" dirty="0">
-                <a:solidFill>
-                  <a:srgbClr val="FFFFFF"/>
-                </a:solidFill>
-                <a:latin typeface="Montserrat" panose="00000500000000000000" pitchFamily="2" charset="0"/>
-                <a:ea typeface="Montserrat Ultra-Bold"/>
-                <a:cs typeface="Montserrat Ultra-Bold"/>
-                <a:sym typeface="Montserrat Ultra-Bold"/>
-              </a:rPr>
-              <a:t> ok.</a:t>
-            </a:r>
-          </a:p>
-          <a:p>
-            <a:pPr marL="685800" indent="-685800">
-              <a:lnSpc>
-                <a:spcPts val="5000"/>
-              </a:lnSpc>
-              <a:buFont typeface="Arial" panose="020B0604020202020204" pitchFamily="34" charset="0"/>
-              <a:buChar char="•"/>
-            </a:pPr>
-            <a:endParaRPr lang="en-US" sz="5000" spc="-300" dirty="0">
-              <a:solidFill>
-                <a:srgbClr val="FFFFFF"/>
-              </a:solidFill>
-              <a:latin typeface="Montserrat" panose="00000500000000000000" pitchFamily="2" charset="0"/>
-              <a:ea typeface="Montserrat Ultra-Bold"/>
-              <a:cs typeface="Montserrat Ultra-Bold"/>
-              <a:sym typeface="Montserrat Ultra-Bold"/>
-            </a:endParaRPr>
-          </a:p>
-          <a:p>
-            <a:pPr marL="685800" indent="-685800">
-              <a:lnSpc>
-                <a:spcPts val="5000"/>
-              </a:lnSpc>
-              <a:buFont typeface="Arial" panose="020B0604020202020204" pitchFamily="34" charset="0"/>
-              <a:buChar char="•"/>
-            </a:pPr>
-            <a:r>
-              <a:rPr lang="en-US" sz="5000" b="1" spc="-300" dirty="0">
-                <a:solidFill>
-                  <a:srgbClr val="FFFFFF"/>
-                </a:solidFill>
-                <a:latin typeface="Montserrat" panose="00000500000000000000" pitchFamily="2" charset="0"/>
-                <a:ea typeface="Montserrat Ultra-Bold"/>
-                <a:cs typeface="Montserrat Ultra-Bold"/>
-                <a:sym typeface="Montserrat Ultra-Bold"/>
-              </a:rPr>
-              <a:t>IA e </a:t>
-            </a:r>
-            <a:r>
-              <a:rPr lang="en-US" sz="5000" b="1" spc="-300" dirty="0" err="1">
-                <a:solidFill>
-                  <a:srgbClr val="FFFFFF"/>
-                </a:solidFill>
-                <a:latin typeface="Montserrat" panose="00000500000000000000" pitchFamily="2" charset="0"/>
-                <a:ea typeface="Montserrat Ultra-Bold"/>
-                <a:cs typeface="Montserrat Ultra-Bold"/>
-                <a:sym typeface="Montserrat Ultra-Bold"/>
-              </a:rPr>
-              <a:t>ChatBot</a:t>
-            </a:r>
-            <a:r>
-              <a:rPr lang="en-US" sz="5000" b="1" spc="-300" dirty="0">
-                <a:solidFill>
-                  <a:srgbClr val="FFFFFF"/>
-                </a:solidFill>
-                <a:latin typeface="Montserrat" panose="00000500000000000000" pitchFamily="2" charset="0"/>
-                <a:ea typeface="Montserrat Ultra-Bold"/>
-                <a:cs typeface="Montserrat Ultra-Bold"/>
-                <a:sym typeface="Montserrat Ultra-Bold"/>
-              </a:rPr>
-              <a:t>:</a:t>
-            </a:r>
-            <a:r>
-              <a:rPr lang="en-US" sz="5000" spc="-300" dirty="0">
-                <a:solidFill>
-                  <a:srgbClr val="FFFFFF"/>
-                </a:solidFill>
-                <a:latin typeface="Montserrat" panose="00000500000000000000" pitchFamily="2" charset="0"/>
-                <a:ea typeface="Montserrat Ultra-Bold"/>
-                <a:cs typeface="Montserrat Ultra-Bold"/>
-                <a:sym typeface="Montserrat Ultra-Bold"/>
-              </a:rPr>
-              <a:t> </a:t>
-            </a:r>
-            <a:r>
-              <a:rPr lang="en-US" sz="5000" spc="-300" dirty="0" err="1">
-                <a:solidFill>
-                  <a:srgbClr val="FFFFFF"/>
-                </a:solidFill>
-                <a:latin typeface="Montserrat" panose="00000500000000000000" pitchFamily="2" charset="0"/>
-                <a:ea typeface="Montserrat Ultra-Bold"/>
-                <a:cs typeface="Montserrat Ultra-Bold"/>
-                <a:sym typeface="Montserrat Ultra-Bold"/>
-              </a:rPr>
-              <a:t>Tudo</a:t>
-            </a:r>
-            <a:r>
-              <a:rPr lang="en-US" sz="5000" spc="-300" dirty="0">
-                <a:solidFill>
-                  <a:srgbClr val="FFFFFF"/>
-                </a:solidFill>
-                <a:latin typeface="Montserrat" panose="00000500000000000000" pitchFamily="2" charset="0"/>
-                <a:ea typeface="Montserrat Ultra-Bold"/>
-                <a:cs typeface="Montserrat Ultra-Bold"/>
-                <a:sym typeface="Montserrat Ultra-Bold"/>
-              </a:rPr>
-              <a:t> ok.</a:t>
-            </a:r>
-          </a:p>
-        </p:txBody>
-      </p:sp>
+      </p:pic>
     </p:spTree>
     <p:extLst>
       <p:ext uri="{BB962C8B-B14F-4D97-AF65-F5344CB8AC3E}">
-        <p14:creationId xmlns:p14="http://schemas.microsoft.com/office/powerpoint/2010/main" val="1912496337"/>
+        <p14:creationId xmlns:p14="http://schemas.microsoft.com/office/powerpoint/2010/main" val="437544713"/>
       </p:ext>
     </p:extLst>
   </p:cSld>
@@ -10565,7 +10498,7 @@
         <p:cNvPr id="1" name="">
           <a:extLst>
             <a:ext uri="{FF2B5EF4-FFF2-40B4-BE49-F238E27FC236}">
-              <a16:creationId xmlns:a16="http://schemas.microsoft.com/office/drawing/2014/main" id="{C60B6661-53BA-C4F0-B269-804F805FCDCB}"/>
+              <a16:creationId xmlns:a16="http://schemas.microsoft.com/office/drawing/2014/main" id="{3D385C8E-45D0-2C62-8A67-3E54876D3F40}"/>
             </a:ext>
           </a:extLst>
         </p:cNvPr>
@@ -10585,7 +10518,7 @@
           <p:cNvPr id="6" name="TextBox 6">
             <a:extLst>
               <a:ext uri="{FF2B5EF4-FFF2-40B4-BE49-F238E27FC236}">
-                <a16:creationId xmlns:a16="http://schemas.microsoft.com/office/drawing/2014/main" id="{CC6417D9-31CB-2D95-C614-BFE541BFB24B}"/>
+                <a16:creationId xmlns:a16="http://schemas.microsoft.com/office/drawing/2014/main" id="{B27F0A09-2B98-E62F-FAED-AADDA01FA4CE}"/>
               </a:ext>
             </a:extLst>
           </p:cNvPr>
@@ -10594,7 +10527,7 @@
         </p:nvSpPr>
         <p:spPr>
           <a:xfrm>
-            <a:off x="27710" y="3376715"/>
+            <a:off x="0" y="1286557"/>
             <a:ext cx="18288000" cy="934936"/>
           </a:xfrm>
           <a:prstGeom prst="rect">
@@ -10613,7 +10546,7 @@
               </a:lnSpc>
             </a:pPr>
             <a:r>
-              <a:rPr lang="pt-BR" sz="8561" spc="-565" dirty="0">
+              <a:rPr lang="en-US" sz="8561" spc="-565" dirty="0">
                 <a:solidFill>
                   <a:srgbClr val="FFFFFF"/>
                 </a:solidFill>
@@ -10622,7 +10555,7 @@
                 <a:cs typeface="Montserrat Ultra-Bold"/>
                 <a:sym typeface="Montserrat Ultra-Bold"/>
               </a:rPr>
-              <a:t>Agradecimentos</a:t>
+              <a:t>Feedbacks</a:t>
             </a:r>
           </a:p>
         </p:txBody>
@@ -10632,7 +10565,7 @@
           <p:cNvPr id="16" name="Freeform 16">
             <a:extLst>
               <a:ext uri="{FF2B5EF4-FFF2-40B4-BE49-F238E27FC236}">
-                <a16:creationId xmlns:a16="http://schemas.microsoft.com/office/drawing/2014/main" id="{3ECEC075-927B-E62E-74F3-8E1BCB46647D}"/>
+                <a16:creationId xmlns:a16="http://schemas.microsoft.com/office/drawing/2014/main" id="{DD8E8C7C-E673-763C-0409-51AC9BED6165}"/>
               </a:ext>
             </a:extLst>
           </p:cNvPr>
@@ -10641,7 +10574,7 @@
         </p:nvSpPr>
         <p:spPr>
           <a:xfrm rot="5400000">
-            <a:off x="-974961" y="-1958739"/>
+            <a:off x="-974961" y="-2203809"/>
             <a:ext cx="4307057" cy="2357135"/>
           </a:xfrm>
           <a:custGeom>
@@ -10697,7 +10630,7 @@
           <p:cNvPr id="17" name="Freeform 17">
             <a:extLst>
               <a:ext uri="{FF2B5EF4-FFF2-40B4-BE49-F238E27FC236}">
-                <a16:creationId xmlns:a16="http://schemas.microsoft.com/office/drawing/2014/main" id="{9ED23FF4-F5AA-91AB-F24F-144516A4B8A4}"/>
+                <a16:creationId xmlns:a16="http://schemas.microsoft.com/office/drawing/2014/main" id="{133856F7-668D-953B-4D25-1777586EB77F}"/>
               </a:ext>
             </a:extLst>
           </p:cNvPr>
@@ -10706,7 +10639,7 @@
         </p:nvSpPr>
         <p:spPr>
           <a:xfrm rot="5400000">
-            <a:off x="1795300" y="8073945"/>
+            <a:off x="1147600" y="8474073"/>
             <a:ext cx="835508" cy="2368709"/>
           </a:xfrm>
           <a:custGeom>
@@ -10762,7 +10695,7 @@
           <p:cNvPr id="18" name="Freeform 18">
             <a:extLst>
               <a:ext uri="{FF2B5EF4-FFF2-40B4-BE49-F238E27FC236}">
-                <a16:creationId xmlns:a16="http://schemas.microsoft.com/office/drawing/2014/main" id="{84D9E35B-9603-DDD0-72F1-859B2ABBFBBA}"/>
+                <a16:creationId xmlns:a16="http://schemas.microsoft.com/office/drawing/2014/main" id="{20FAE86D-029D-31E4-CBB2-EC7E7A94478B}"/>
               </a:ext>
             </a:extLst>
           </p:cNvPr>
@@ -10771,7 +10704,7 @@
         </p:nvSpPr>
         <p:spPr>
           <a:xfrm rot="5400000">
-            <a:off x="14516483" y="10031772"/>
+            <a:off x="15331839" y="10157061"/>
             <a:ext cx="4307057" cy="2357135"/>
           </a:xfrm>
           <a:custGeom>
@@ -10824,10 +10757,10 @@
       </p:sp>
       <p:sp>
         <p:nvSpPr>
-          <p:cNvPr id="9" name="TextBox 6">
+          <p:cNvPr id="3" name="TextBox 6">
             <a:extLst>
               <a:ext uri="{FF2B5EF4-FFF2-40B4-BE49-F238E27FC236}">
-                <a16:creationId xmlns:a16="http://schemas.microsoft.com/office/drawing/2014/main" id="{75B32666-01C7-73E9-C4F0-C8A5F872EBF8}"/>
+                <a16:creationId xmlns:a16="http://schemas.microsoft.com/office/drawing/2014/main" id="{B2E27161-D1AC-9597-F719-B6011BC65C4F}"/>
               </a:ext>
             </a:extLst>
           </p:cNvPr>
@@ -10836,8 +10769,8 @@
         </p:nvSpPr>
         <p:spPr>
           <a:xfrm>
-            <a:off x="27709" y="5086515"/>
-            <a:ext cx="18288000" cy="815736"/>
+            <a:off x="1524000" y="3166278"/>
+            <a:ext cx="15240000" cy="5129609"/>
           </a:xfrm>
           <a:prstGeom prst="rect">
             <a:avLst/>
@@ -10849,13 +10782,15 @@
           </a:bodyPr>
           <a:lstStyle/>
           <a:p>
-            <a:pPr algn="ctr">
+            <a:pPr marL="685800" indent="-685800">
               <a:lnSpc>
-                <a:spcPts val="6934"/>
+                <a:spcPts val="5000"/>
               </a:lnSpc>
+              <a:buFont typeface="Arial" panose="020B0604020202020204" pitchFamily="34" charset="0"/>
+              <a:buChar char="•"/>
             </a:pPr>
             <a:r>
-              <a:rPr lang="pt-BR" sz="4800" spc="-565" dirty="0">
+              <a:rPr lang="en-US" sz="5000" b="1" spc="-300" dirty="0">
                 <a:solidFill>
                   <a:srgbClr val="FFFFFF"/>
                 </a:solidFill>
@@ -10864,7 +10799,400 @@
                 <a:cs typeface="Montserrat Ultra-Bold"/>
                 <a:sym typeface="Montserrat Ultra-Bold"/>
               </a:rPr>
-              <a:t>Obrigado pela atenção!</a:t>
+              <a:t>Ciber </a:t>
+            </a:r>
+            <a:r>
+              <a:rPr lang="en-US" sz="5000" b="1" spc="-300" dirty="0" err="1">
+                <a:solidFill>
+                  <a:srgbClr val="FFFFFF"/>
+                </a:solidFill>
+                <a:latin typeface="Montserrat" panose="00000500000000000000" pitchFamily="2" charset="0"/>
+                <a:ea typeface="Montserrat Ultra-Bold"/>
+                <a:cs typeface="Montserrat Ultra-Bold"/>
+                <a:sym typeface="Montserrat Ultra-Bold"/>
+              </a:rPr>
+              <a:t>Segurança</a:t>
+            </a:r>
+            <a:r>
+              <a:rPr lang="en-US" sz="5000" b="1" spc="-300" dirty="0">
+                <a:solidFill>
+                  <a:srgbClr val="FFFFFF"/>
+                </a:solidFill>
+                <a:latin typeface="Montserrat" panose="00000500000000000000" pitchFamily="2" charset="0"/>
+                <a:ea typeface="Montserrat Ultra-Bold"/>
+                <a:cs typeface="Montserrat Ultra-Bold"/>
+                <a:sym typeface="Montserrat Ultra-Bold"/>
+              </a:rPr>
+              <a:t>: </a:t>
+            </a:r>
+            <a:r>
+              <a:rPr lang="en-US" sz="5000" spc="-300" dirty="0" err="1">
+                <a:solidFill>
+                  <a:srgbClr val="FFFFFF"/>
+                </a:solidFill>
+                <a:latin typeface="Montserrat" panose="00000500000000000000" pitchFamily="2" charset="0"/>
+                <a:ea typeface="Montserrat Ultra-Bold"/>
+                <a:cs typeface="Montserrat Ultra-Bold"/>
+                <a:sym typeface="Montserrat Ultra-Bold"/>
+              </a:rPr>
+              <a:t>Criação</a:t>
+            </a:r>
+            <a:r>
+              <a:rPr lang="en-US" sz="5000" spc="-300" dirty="0">
+                <a:solidFill>
+                  <a:srgbClr val="FFFFFF"/>
+                </a:solidFill>
+                <a:latin typeface="Montserrat" panose="00000500000000000000" pitchFamily="2" charset="0"/>
+                <a:ea typeface="Montserrat Ultra-Bold"/>
+                <a:cs typeface="Montserrat Ultra-Bold"/>
+                <a:sym typeface="Montserrat Ultra-Bold"/>
+              </a:rPr>
+              <a:t> de </a:t>
+            </a:r>
+            <a:r>
+              <a:rPr lang="en-US" sz="5000" spc="-300" dirty="0" err="1">
+                <a:solidFill>
+                  <a:srgbClr val="FFFFFF"/>
+                </a:solidFill>
+                <a:latin typeface="Montserrat" panose="00000500000000000000" pitchFamily="2" charset="0"/>
+                <a:ea typeface="Montserrat Ultra-Bold"/>
+                <a:cs typeface="Montserrat Ultra-Bold"/>
+                <a:sym typeface="Montserrat Ultra-Bold"/>
+              </a:rPr>
+              <a:t>políticas</a:t>
+            </a:r>
+            <a:r>
+              <a:rPr lang="en-US" sz="5000" spc="-300" dirty="0">
+                <a:solidFill>
+                  <a:srgbClr val="FFFFFF"/>
+                </a:solidFill>
+                <a:latin typeface="Montserrat" panose="00000500000000000000" pitchFamily="2" charset="0"/>
+                <a:ea typeface="Montserrat Ultra-Bold"/>
+                <a:cs typeface="Montserrat Ultra-Bold"/>
+                <a:sym typeface="Montserrat Ultra-Bold"/>
+              </a:rPr>
+              <a:t> de </a:t>
+            </a:r>
+            <a:r>
+              <a:rPr lang="en-US" sz="5000" spc="-300" dirty="0" err="1">
+                <a:solidFill>
+                  <a:srgbClr val="FFFFFF"/>
+                </a:solidFill>
+                <a:latin typeface="Montserrat" panose="00000500000000000000" pitchFamily="2" charset="0"/>
+                <a:ea typeface="Montserrat Ultra-Bold"/>
+                <a:cs typeface="Montserrat Ultra-Bold"/>
+                <a:sym typeface="Montserrat Ultra-Bold"/>
+              </a:rPr>
+              <a:t>segurança</a:t>
+            </a:r>
+            <a:r>
+              <a:rPr lang="en-US" sz="5000" spc="-300" dirty="0">
+                <a:solidFill>
+                  <a:srgbClr val="FFFFFF"/>
+                </a:solidFill>
+                <a:latin typeface="Montserrat" panose="00000500000000000000" pitchFamily="2" charset="0"/>
+                <a:ea typeface="Montserrat Ultra-Bold"/>
+                <a:cs typeface="Montserrat Ultra-Bold"/>
+                <a:sym typeface="Montserrat Ultra-Bold"/>
+              </a:rPr>
+              <a:t> e </a:t>
+            </a:r>
+            <a:r>
+              <a:rPr lang="en-US" sz="5000" spc="-300" dirty="0" err="1">
+                <a:solidFill>
+                  <a:srgbClr val="FFFFFF"/>
+                </a:solidFill>
+                <a:latin typeface="Montserrat" panose="00000500000000000000" pitchFamily="2" charset="0"/>
+                <a:ea typeface="Montserrat Ultra-Bold"/>
+                <a:cs typeface="Montserrat Ultra-Bold"/>
+                <a:sym typeface="Montserrat Ultra-Bold"/>
+              </a:rPr>
+              <a:t>privacidade</a:t>
+            </a:r>
+            <a:r>
+              <a:rPr lang="en-US" sz="5000" spc="-300" dirty="0">
+                <a:solidFill>
+                  <a:srgbClr val="FFFFFF"/>
+                </a:solidFill>
+                <a:latin typeface="Montserrat" panose="00000500000000000000" pitchFamily="2" charset="0"/>
+                <a:ea typeface="Montserrat Ultra-Bold"/>
+                <a:cs typeface="Montserrat Ultra-Bold"/>
+                <a:sym typeface="Montserrat Ultra-Bold"/>
+              </a:rPr>
+              <a:t> e </a:t>
+            </a:r>
+            <a:r>
+              <a:rPr lang="en-US" sz="5000" spc="-300" dirty="0" err="1">
+                <a:solidFill>
+                  <a:srgbClr val="FFFFFF"/>
+                </a:solidFill>
+                <a:latin typeface="Montserrat" panose="00000500000000000000" pitchFamily="2" charset="0"/>
+                <a:ea typeface="Montserrat Ultra-Bold"/>
+                <a:cs typeface="Montserrat Ultra-Bold"/>
+                <a:sym typeface="Montserrat Ultra-Bold"/>
+              </a:rPr>
+              <a:t>implementação</a:t>
+            </a:r>
+            <a:r>
+              <a:rPr lang="en-US" sz="5000" spc="-300" dirty="0">
+                <a:solidFill>
+                  <a:srgbClr val="FFFFFF"/>
+                </a:solidFill>
+                <a:latin typeface="Montserrat" panose="00000500000000000000" pitchFamily="2" charset="0"/>
+                <a:ea typeface="Montserrat Ultra-Bold"/>
+                <a:cs typeface="Montserrat Ultra-Bold"/>
+                <a:sym typeface="Montserrat Ultra-Bold"/>
+              </a:rPr>
+              <a:t> HTTPS.</a:t>
+            </a:r>
+          </a:p>
+          <a:p>
+            <a:pPr marL="685800" indent="-685800">
+              <a:lnSpc>
+                <a:spcPts val="5000"/>
+              </a:lnSpc>
+              <a:buFont typeface="Arial" panose="020B0604020202020204" pitchFamily="34" charset="0"/>
+              <a:buChar char="•"/>
+            </a:pPr>
+            <a:endParaRPr lang="en-US" sz="5000" spc="-300" dirty="0">
+              <a:solidFill>
+                <a:srgbClr val="FFFFFF"/>
+              </a:solidFill>
+              <a:latin typeface="Montserrat" panose="00000500000000000000" pitchFamily="2" charset="0"/>
+              <a:ea typeface="Montserrat Ultra-Bold"/>
+              <a:cs typeface="Montserrat Ultra-Bold"/>
+              <a:sym typeface="Montserrat Ultra-Bold"/>
+            </a:endParaRPr>
+          </a:p>
+          <a:p>
+            <a:pPr marL="685800" indent="-685800">
+              <a:lnSpc>
+                <a:spcPts val="5000"/>
+              </a:lnSpc>
+              <a:buFont typeface="Arial" panose="020B0604020202020204" pitchFamily="34" charset="0"/>
+              <a:buChar char="•"/>
+            </a:pPr>
+            <a:r>
+              <a:rPr lang="en-US" sz="5000" b="1" spc="-300" dirty="0">
+                <a:solidFill>
+                  <a:srgbClr val="FFFFFF"/>
+                </a:solidFill>
+                <a:latin typeface="Montserrat" panose="00000500000000000000" pitchFamily="2" charset="0"/>
+                <a:ea typeface="Montserrat Ultra-Bold"/>
+                <a:cs typeface="Montserrat Ultra-Bold"/>
+                <a:sym typeface="Montserrat Ultra-Bold"/>
+              </a:rPr>
+              <a:t>Mobile: </a:t>
+            </a:r>
+            <a:r>
+              <a:rPr lang="en-US" sz="5000" spc="-300" dirty="0" err="1">
+                <a:solidFill>
+                  <a:srgbClr val="FFFFFF"/>
+                </a:solidFill>
+                <a:latin typeface="Montserrat" panose="00000500000000000000" pitchFamily="2" charset="0"/>
+                <a:ea typeface="Montserrat Ultra-Bold"/>
+                <a:cs typeface="Montserrat Ultra-Bold"/>
+                <a:sym typeface="Montserrat Ultra-Bold"/>
+              </a:rPr>
+              <a:t>Internacionalização</a:t>
+            </a:r>
+            <a:r>
+              <a:rPr lang="en-US" sz="5000" spc="-300" dirty="0">
+                <a:solidFill>
+                  <a:srgbClr val="FFFFFF"/>
+                </a:solidFill>
+                <a:latin typeface="Montserrat" panose="00000500000000000000" pitchFamily="2" charset="0"/>
+                <a:ea typeface="Montserrat Ultra-Bold"/>
+                <a:cs typeface="Montserrat Ultra-Bold"/>
+                <a:sym typeface="Montserrat Ultra-Bold"/>
+              </a:rPr>
+              <a:t> de </a:t>
+            </a:r>
+            <a:r>
+              <a:rPr lang="en-US" sz="5000" spc="-300" dirty="0" err="1">
+                <a:solidFill>
+                  <a:srgbClr val="FFFFFF"/>
+                </a:solidFill>
+                <a:latin typeface="Montserrat" panose="00000500000000000000" pitchFamily="2" charset="0"/>
+                <a:ea typeface="Montserrat Ultra-Bold"/>
+                <a:cs typeface="Montserrat Ultra-Bold"/>
+                <a:sym typeface="Montserrat Ultra-Bold"/>
+              </a:rPr>
+              <a:t>linguas</a:t>
+            </a:r>
+            <a:r>
+              <a:rPr lang="en-US" sz="5000" spc="-300" dirty="0">
+                <a:solidFill>
+                  <a:srgbClr val="FFFFFF"/>
+                </a:solidFill>
+                <a:latin typeface="Montserrat" panose="00000500000000000000" pitchFamily="2" charset="0"/>
+                <a:ea typeface="Montserrat Ultra-Bold"/>
+                <a:cs typeface="Montserrat Ultra-Bold"/>
+                <a:sym typeface="Montserrat Ultra-Bold"/>
+              </a:rPr>
+              <a:t> no App.</a:t>
+            </a:r>
+          </a:p>
+          <a:p>
+            <a:pPr marL="685800" indent="-685800">
+              <a:lnSpc>
+                <a:spcPts val="5000"/>
+              </a:lnSpc>
+              <a:buFont typeface="Arial" panose="020B0604020202020204" pitchFamily="34" charset="0"/>
+              <a:buChar char="•"/>
+            </a:pPr>
+            <a:endParaRPr lang="en-US" sz="5000" spc="-300" dirty="0">
+              <a:solidFill>
+                <a:srgbClr val="FFFFFF"/>
+              </a:solidFill>
+              <a:latin typeface="Montserrat" panose="00000500000000000000" pitchFamily="2" charset="0"/>
+              <a:ea typeface="Montserrat Ultra-Bold"/>
+              <a:cs typeface="Montserrat Ultra-Bold"/>
+              <a:sym typeface="Montserrat Ultra-Bold"/>
+            </a:endParaRPr>
+          </a:p>
+          <a:p>
+            <a:pPr marL="685800" indent="-685800">
+              <a:lnSpc>
+                <a:spcPts val="5000"/>
+              </a:lnSpc>
+              <a:buFont typeface="Arial" panose="020B0604020202020204" pitchFamily="34" charset="0"/>
+              <a:buChar char="•"/>
+            </a:pPr>
+            <a:r>
+              <a:rPr lang="en-US" sz="5000" b="1" spc="-300" dirty="0">
+                <a:solidFill>
+                  <a:srgbClr val="FFFFFF"/>
+                </a:solidFill>
+                <a:latin typeface="Montserrat" panose="00000500000000000000" pitchFamily="2" charset="0"/>
+                <a:ea typeface="Montserrat Ultra-Bold"/>
+                <a:cs typeface="Montserrat Ultra-Bold"/>
+                <a:sym typeface="Montserrat Ultra-Bold"/>
+              </a:rPr>
+              <a:t>Web - Backend: </a:t>
+            </a:r>
+            <a:r>
+              <a:rPr lang="en-US" sz="5000" spc="-300" dirty="0" err="1">
+                <a:solidFill>
+                  <a:srgbClr val="FFFFFF"/>
+                </a:solidFill>
+                <a:latin typeface="Montserrat" panose="00000500000000000000" pitchFamily="2" charset="0"/>
+                <a:ea typeface="Montserrat Ultra-Bold"/>
+                <a:cs typeface="Montserrat Ultra-Bold"/>
+                <a:sym typeface="Montserrat Ultra-Bold"/>
+              </a:rPr>
+              <a:t>Tudo</a:t>
+            </a:r>
+            <a:r>
+              <a:rPr lang="en-US" sz="5000" spc="-300" dirty="0">
+                <a:solidFill>
+                  <a:srgbClr val="FFFFFF"/>
+                </a:solidFill>
+                <a:latin typeface="Montserrat" panose="00000500000000000000" pitchFamily="2" charset="0"/>
+                <a:ea typeface="Montserrat Ultra-Bold"/>
+                <a:cs typeface="Montserrat Ultra-Bold"/>
+                <a:sym typeface="Montserrat Ultra-Bold"/>
+              </a:rPr>
+              <a:t> ok.</a:t>
+            </a:r>
+          </a:p>
+          <a:p>
+            <a:pPr marL="685800" indent="-685800">
+              <a:lnSpc>
+                <a:spcPts val="5000"/>
+              </a:lnSpc>
+              <a:buFont typeface="Arial" panose="020B0604020202020204" pitchFamily="34" charset="0"/>
+              <a:buChar char="•"/>
+            </a:pPr>
+            <a:endParaRPr lang="en-US" sz="5000" spc="-300" dirty="0">
+              <a:solidFill>
+                <a:srgbClr val="FFFFFF"/>
+              </a:solidFill>
+              <a:latin typeface="Montserrat" panose="00000500000000000000" pitchFamily="2" charset="0"/>
+              <a:ea typeface="Montserrat Ultra-Bold"/>
+              <a:cs typeface="Montserrat Ultra-Bold"/>
+              <a:sym typeface="Montserrat Ultra-Bold"/>
+            </a:endParaRPr>
+          </a:p>
+          <a:p>
+            <a:pPr marL="685800" indent="-685800">
+              <a:lnSpc>
+                <a:spcPts val="5000"/>
+              </a:lnSpc>
+              <a:buFont typeface="Arial" panose="020B0604020202020204" pitchFamily="34" charset="0"/>
+              <a:buChar char="•"/>
+            </a:pPr>
+            <a:r>
+              <a:rPr lang="en-US" sz="5000" b="1" spc="-300" dirty="0">
+                <a:solidFill>
+                  <a:srgbClr val="FFFFFF"/>
+                </a:solidFill>
+                <a:latin typeface="Montserrat" panose="00000500000000000000" pitchFamily="2" charset="0"/>
+                <a:ea typeface="Montserrat Ultra-Bold"/>
+                <a:cs typeface="Montserrat Ultra-Bold"/>
+                <a:sym typeface="Montserrat Ultra-Bold"/>
+              </a:rPr>
+              <a:t>IA e </a:t>
+            </a:r>
+            <a:r>
+              <a:rPr lang="en-US" sz="5000" b="1" spc="-300" dirty="0" err="1">
+                <a:solidFill>
+                  <a:srgbClr val="FFFFFF"/>
+                </a:solidFill>
+                <a:latin typeface="Montserrat" panose="00000500000000000000" pitchFamily="2" charset="0"/>
+                <a:ea typeface="Montserrat Ultra-Bold"/>
+                <a:cs typeface="Montserrat Ultra-Bold"/>
+                <a:sym typeface="Montserrat Ultra-Bold"/>
+              </a:rPr>
+              <a:t>ChatBot</a:t>
+            </a:r>
+            <a:r>
+              <a:rPr lang="en-US" sz="5000" b="1" spc="-300" dirty="0">
+                <a:solidFill>
+                  <a:srgbClr val="FFFFFF"/>
+                </a:solidFill>
+                <a:latin typeface="Montserrat" panose="00000500000000000000" pitchFamily="2" charset="0"/>
+                <a:ea typeface="Montserrat Ultra-Bold"/>
+                <a:cs typeface="Montserrat Ultra-Bold"/>
+                <a:sym typeface="Montserrat Ultra-Bold"/>
+              </a:rPr>
+              <a:t>:</a:t>
+            </a:r>
+            <a:r>
+              <a:rPr lang="en-US" sz="5000" spc="-300" dirty="0">
+                <a:solidFill>
+                  <a:srgbClr val="FFFFFF"/>
+                </a:solidFill>
+                <a:latin typeface="Montserrat" panose="00000500000000000000" pitchFamily="2" charset="0"/>
+                <a:ea typeface="Montserrat Ultra-Bold"/>
+                <a:cs typeface="Montserrat Ultra-Bold"/>
+                <a:sym typeface="Montserrat Ultra-Bold"/>
+              </a:rPr>
+              <a:t> </a:t>
+            </a:r>
+            <a:r>
+              <a:rPr lang="en-US" sz="5000" spc="-300" dirty="0" err="1">
+                <a:solidFill>
+                  <a:srgbClr val="FFFFFF"/>
+                </a:solidFill>
+                <a:latin typeface="Montserrat" panose="00000500000000000000" pitchFamily="2" charset="0"/>
+                <a:ea typeface="Montserrat Ultra-Bold"/>
+                <a:cs typeface="Montserrat Ultra-Bold"/>
+                <a:sym typeface="Montserrat Ultra-Bold"/>
+              </a:rPr>
+              <a:t>Tudo</a:t>
+            </a:r>
+            <a:r>
+              <a:rPr lang="en-US" sz="5000" spc="-300" dirty="0">
+                <a:solidFill>
+                  <a:srgbClr val="FFFFFF"/>
+                </a:solidFill>
+                <a:latin typeface="Montserrat" panose="00000500000000000000" pitchFamily="2" charset="0"/>
+                <a:ea typeface="Montserrat Ultra-Bold"/>
+                <a:cs typeface="Montserrat Ultra-Bold"/>
+                <a:sym typeface="Montserrat Ultra-Bold"/>
+              </a:rPr>
+              <a:t> ok.</a:t>
             </a:r>
           </a:p>
         </p:txBody>
@@ -10872,7 +11200,7 @@
     </p:spTree>
     <p:extLst>
       <p:ext uri="{BB962C8B-B14F-4D97-AF65-F5344CB8AC3E}">
-        <p14:creationId xmlns:p14="http://schemas.microsoft.com/office/powerpoint/2010/main" val="3098137809"/>
+        <p14:creationId xmlns:p14="http://schemas.microsoft.com/office/powerpoint/2010/main" val="1912496337"/>
       </p:ext>
     </p:extLst>
   </p:cSld>

--- a/Eliney - Apresentação AC1.pptx
+++ b/Eliney - Apresentação AC1.pptx
@@ -226,7 +226,7 @@
           <a:p>
             <a:fld id="{2629E080-8F0B-4796-9612-408C430CFF0F}" type="datetimeFigureOut">
               <a:rPr lang="pt-BR" smtClean="0"/>
-              <a:t>24/03/2025</a:t>
+              <a:t>01/04/2025</a:t>
             </a:fld>
             <a:endParaRPr lang="pt-BR"/>
           </a:p>
@@ -384,7 +384,7 @@
           <a:p>
             <a:fld id="{7667DD0F-EFA1-45B4-94E4-C36DA9F7933D}" type="slidenum">
               <a:rPr lang="pt-BR" smtClean="0"/>
-              <a:t>‹#›</a:t>
+              <a:t>‹nº›</a:t>
             </a:fld>
             <a:endParaRPr lang="pt-BR"/>
           </a:p>
@@ -673,7 +673,7 @@
             <a:fld id="{1D8BD707-D9CF-40AE-B4C6-C98DA3205C09}" type="datetimeFigureOut">
               <a:rPr lang="en-US" smtClean="0"/>
               <a:pPr/>
-              <a:t>3/24/2025</a:t>
+              <a:t>4/1/2025</a:t>
             </a:fld>
             <a:endParaRPr lang="en-US"/>
           </a:p>
@@ -716,7 +716,7 @@
             <a:fld id="{B6F15528-21DE-4FAA-801E-634DDDAF4B2B}" type="slidenum">
               <a:rPr lang="en-US" smtClean="0"/>
               <a:pPr/>
-              <a:t>‹#›</a:t>
+              <a:t>‹nº›</a:t>
             </a:fld>
             <a:endParaRPr lang="en-US"/>
           </a:p>
@@ -838,7 +838,7 @@
             <a:fld id="{1D8BD707-D9CF-40AE-B4C6-C98DA3205C09}" type="datetimeFigureOut">
               <a:rPr lang="en-US" smtClean="0"/>
               <a:pPr/>
-              <a:t>3/24/2025</a:t>
+              <a:t>4/1/2025</a:t>
             </a:fld>
             <a:endParaRPr lang="en-US"/>
           </a:p>
@@ -881,7 +881,7 @@
             <a:fld id="{B6F15528-21DE-4FAA-801E-634DDDAF4B2B}" type="slidenum">
               <a:rPr lang="en-US" smtClean="0"/>
               <a:pPr/>
-              <a:t>‹#›</a:t>
+              <a:t>‹nº›</a:t>
             </a:fld>
             <a:endParaRPr lang="en-US"/>
           </a:p>
@@ -1013,7 +1013,7 @@
             <a:fld id="{1D8BD707-D9CF-40AE-B4C6-C98DA3205C09}" type="datetimeFigureOut">
               <a:rPr lang="en-US" smtClean="0"/>
               <a:pPr/>
-              <a:t>3/24/2025</a:t>
+              <a:t>4/1/2025</a:t>
             </a:fld>
             <a:endParaRPr lang="en-US"/>
           </a:p>
@@ -1056,7 +1056,7 @@
             <a:fld id="{B6F15528-21DE-4FAA-801E-634DDDAF4B2B}" type="slidenum">
               <a:rPr lang="en-US" smtClean="0"/>
               <a:pPr/>
-              <a:t>‹#›</a:t>
+              <a:t>‹nº›</a:t>
             </a:fld>
             <a:endParaRPr lang="en-US"/>
           </a:p>
@@ -1178,7 +1178,7 @@
             <a:fld id="{1D8BD707-D9CF-40AE-B4C6-C98DA3205C09}" type="datetimeFigureOut">
               <a:rPr lang="en-US" smtClean="0"/>
               <a:pPr/>
-              <a:t>3/24/2025</a:t>
+              <a:t>4/1/2025</a:t>
             </a:fld>
             <a:endParaRPr lang="en-US"/>
           </a:p>
@@ -1221,7 +1221,7 @@
             <a:fld id="{B6F15528-21DE-4FAA-801E-634DDDAF4B2B}" type="slidenum">
               <a:rPr lang="en-US" smtClean="0"/>
               <a:pPr/>
-              <a:t>‹#›</a:t>
+              <a:t>‹nº›</a:t>
             </a:fld>
             <a:endParaRPr lang="en-US"/>
           </a:p>
@@ -1420,7 +1420,7 @@
             <a:fld id="{1D8BD707-D9CF-40AE-B4C6-C98DA3205C09}" type="datetimeFigureOut">
               <a:rPr lang="en-US" smtClean="0"/>
               <a:pPr/>
-              <a:t>3/24/2025</a:t>
+              <a:t>4/1/2025</a:t>
             </a:fld>
             <a:endParaRPr lang="en-US"/>
           </a:p>
@@ -1463,7 +1463,7 @@
             <a:fld id="{B6F15528-21DE-4FAA-801E-634DDDAF4B2B}" type="slidenum">
               <a:rPr lang="en-US" smtClean="0"/>
               <a:pPr/>
-              <a:t>‹#›</a:t>
+              <a:t>‹nº›</a:t>
             </a:fld>
             <a:endParaRPr lang="en-US"/>
           </a:p>
@@ -1702,7 +1702,7 @@
             <a:fld id="{1D8BD707-D9CF-40AE-B4C6-C98DA3205C09}" type="datetimeFigureOut">
               <a:rPr lang="en-US" smtClean="0"/>
               <a:pPr/>
-              <a:t>3/24/2025</a:t>
+              <a:t>4/1/2025</a:t>
             </a:fld>
             <a:endParaRPr lang="en-US"/>
           </a:p>
@@ -1745,7 +1745,7 @@
             <a:fld id="{B6F15528-21DE-4FAA-801E-634DDDAF4B2B}" type="slidenum">
               <a:rPr lang="en-US" smtClean="0"/>
               <a:pPr/>
-              <a:t>‹#›</a:t>
+              <a:t>‹nº›</a:t>
             </a:fld>
             <a:endParaRPr lang="en-US"/>
           </a:p>
@@ -2118,7 +2118,7 @@
             <a:fld id="{1D8BD707-D9CF-40AE-B4C6-C98DA3205C09}" type="datetimeFigureOut">
               <a:rPr lang="en-US" smtClean="0"/>
               <a:pPr/>
-              <a:t>3/24/2025</a:t>
+              <a:t>4/1/2025</a:t>
             </a:fld>
             <a:endParaRPr lang="en-US"/>
           </a:p>
@@ -2161,7 +2161,7 @@
             <a:fld id="{B6F15528-21DE-4FAA-801E-634DDDAF4B2B}" type="slidenum">
               <a:rPr lang="en-US" smtClean="0"/>
               <a:pPr/>
-              <a:t>‹#›</a:t>
+              <a:t>‹nº›</a:t>
             </a:fld>
             <a:endParaRPr lang="en-US"/>
           </a:p>
@@ -2232,7 +2232,7 @@
             <a:fld id="{1D8BD707-D9CF-40AE-B4C6-C98DA3205C09}" type="datetimeFigureOut">
               <a:rPr lang="en-US" smtClean="0"/>
               <a:pPr/>
-              <a:t>3/24/2025</a:t>
+              <a:t>4/1/2025</a:t>
             </a:fld>
             <a:endParaRPr lang="en-US"/>
           </a:p>
@@ -2275,7 +2275,7 @@
             <a:fld id="{B6F15528-21DE-4FAA-801E-634DDDAF4B2B}" type="slidenum">
               <a:rPr lang="en-US" smtClean="0"/>
               <a:pPr/>
-              <a:t>‹#›</a:t>
+              <a:t>‹nº›</a:t>
             </a:fld>
             <a:endParaRPr lang="en-US"/>
           </a:p>
@@ -2324,7 +2324,7 @@
             <a:fld id="{1D8BD707-D9CF-40AE-B4C6-C98DA3205C09}" type="datetimeFigureOut">
               <a:rPr lang="en-US" smtClean="0"/>
               <a:pPr/>
-              <a:t>3/24/2025</a:t>
+              <a:t>4/1/2025</a:t>
             </a:fld>
             <a:endParaRPr lang="en-US"/>
           </a:p>
@@ -2367,7 +2367,7 @@
             <a:fld id="{B6F15528-21DE-4FAA-801E-634DDDAF4B2B}" type="slidenum">
               <a:rPr lang="en-US" smtClean="0"/>
               <a:pPr/>
-              <a:t>‹#›</a:t>
+              <a:t>‹nº›</a:t>
             </a:fld>
             <a:endParaRPr lang="en-US"/>
           </a:p>
@@ -2596,7 +2596,7 @@
             <a:fld id="{1D8BD707-D9CF-40AE-B4C6-C98DA3205C09}" type="datetimeFigureOut">
               <a:rPr lang="en-US" smtClean="0"/>
               <a:pPr/>
-              <a:t>3/24/2025</a:t>
+              <a:t>4/1/2025</a:t>
             </a:fld>
             <a:endParaRPr lang="en-US"/>
           </a:p>
@@ -2639,7 +2639,7 @@
             <a:fld id="{B6F15528-21DE-4FAA-801E-634DDDAF4B2B}" type="slidenum">
               <a:rPr lang="en-US" smtClean="0"/>
               <a:pPr/>
-              <a:t>‹#›</a:t>
+              <a:t>‹nº›</a:t>
             </a:fld>
             <a:endParaRPr lang="en-US"/>
           </a:p>
@@ -2845,7 +2845,7 @@
             <a:fld id="{1D8BD707-D9CF-40AE-B4C6-C98DA3205C09}" type="datetimeFigureOut">
               <a:rPr lang="en-US" smtClean="0"/>
               <a:pPr/>
-              <a:t>3/24/2025</a:t>
+              <a:t>4/1/2025</a:t>
             </a:fld>
             <a:endParaRPr lang="en-US"/>
           </a:p>
@@ -2888,7 +2888,7 @@
             <a:fld id="{B6F15528-21DE-4FAA-801E-634DDDAF4B2B}" type="slidenum">
               <a:rPr lang="en-US" smtClean="0"/>
               <a:pPr/>
-              <a:t>‹#›</a:t>
+              <a:t>‹nº›</a:t>
             </a:fld>
             <a:endParaRPr lang="en-US"/>
           </a:p>
@@ -3053,7 +3053,7 @@
             <a:fld id="{1D8BD707-D9CF-40AE-B4C6-C98DA3205C09}" type="datetimeFigureOut">
               <a:rPr lang="en-US" smtClean="0"/>
               <a:pPr/>
-              <a:t>3/24/2025</a:t>
+              <a:t>4/1/2025</a:t>
             </a:fld>
             <a:endParaRPr lang="en-US"/>
           </a:p>
@@ -3132,7 +3132,7 @@
             <a:fld id="{B6F15528-21DE-4FAA-801E-634DDDAF4B2B}" type="slidenum">
               <a:rPr lang="en-US" smtClean="0"/>
               <a:pPr/>
-              <a:t>‹#›</a:t>
+              <a:t>‹nº›</a:t>
             </a:fld>
             <a:endParaRPr lang="en-US"/>
           </a:p>
